--- a/React基本介绍.pptx
+++ b/React基本介绍.pptx
@@ -17807,7 +17807,7 @@
               <a:t>和</a:t>
             </a:r>
             <a:r>
-              <a:rPr kumimoji="1" lang="en-US" altLang="zh-CN" sz="2000" b="0" smtClean="0">
+              <a:rPr kumimoji="1" lang="en-US" altLang="zh-CN" sz="2000" b="0" dirty="0" err="1" smtClean="0">
                 <a:solidFill>
                   <a:schemeClr val="tx1"/>
                 </a:solidFill>

--- a/React基本介绍.pptx
+++ b/React基本介绍.pptx
@@ -239,7 +239,7 @@
           <a:p>
             <a:fld id="{65CFC084-7573-F641-ACD7-B203CC884CF6}" type="datetimeFigureOut">
               <a:rPr kumimoji="1" lang="zh-CN" altLang="en-US" smtClean="0"/>
-              <a:t>16/10/11</a:t>
+              <a:t>16/10/25</a:t>
             </a:fld>
             <a:endParaRPr kumimoji="1" lang="zh-CN" altLang="en-US"/>
           </a:p>
@@ -405,7 +405,7 @@
             <a:fld id="{2CD53510-93AC-4CFF-AA3F-5A06DAF66ADA}" type="datetimeFigureOut">
               <a:rPr lang="en-US" smtClean="0"/>
               <a:pPr/>
-              <a:t>10/11/16</a:t>
+              <a:t>10/25/16</a:t>
             </a:fld>
             <a:endParaRPr lang="en-US"/>
           </a:p>
@@ -9731,7 +9731,7 @@
           <a:p>
             <a:fld id="{52851385-B520-5F4F-A23F-4B37E4D7ABC0}" type="datetime1">
               <a:rPr kumimoji="1" lang="zh-CN" altLang="en-US" smtClean="0"/>
-              <a:t>16/10/11</a:t>
+              <a:t>16/10/25</a:t>
             </a:fld>
             <a:endParaRPr kumimoji="1" lang="zh-CN" altLang="en-US" dirty="0"/>
           </a:p>
@@ -9938,7 +9938,7 @@
           <a:p>
             <a:fld id="{243E2ACB-9D22-5944-BD04-C01C0774A4A0}" type="datetimeFigureOut">
               <a:rPr kumimoji="1" lang="zh-CN" altLang="en-US" smtClean="0"/>
-              <a:t>16/10/11</a:t>
+              <a:t>16/10/25</a:t>
             </a:fld>
             <a:endParaRPr kumimoji="1" lang="zh-CN" altLang="en-US"/>
           </a:p>
@@ -11692,7 +11692,7 @@
           <a:p>
             <a:r>
               <a:rPr kumimoji="1" lang="en-US" altLang="zh-CN" dirty="0" smtClean="0"/>
-              <a:t>4.8 </a:t>
+              <a:t>1.8 </a:t>
             </a:r>
             <a:r>
               <a:rPr kumimoji="1" lang="zh-CN" altLang="en-US" dirty="0" smtClean="0"/>
@@ -12123,7 +12123,11 @@
           <a:p>
             <a:r>
               <a:rPr kumimoji="1" lang="en-US" altLang="zh-CN" dirty="0" smtClean="0"/>
-              <a:t>4.9 React</a:t>
+              <a:t>1.9 </a:t>
+            </a:r>
+            <a:r>
+              <a:rPr kumimoji="1" lang="en-US" altLang="zh-CN" dirty="0" smtClean="0"/>
+              <a:t>React</a:t>
             </a:r>
             <a:r>
               <a:rPr kumimoji="1" lang="zh-CN" altLang="en-US" dirty="0" smtClean="0"/>
@@ -12278,7 +12282,7 @@
           <a:p>
             <a:r>
               <a:rPr kumimoji="1" lang="en-US" altLang="zh-CN" dirty="0" smtClean="0"/>
-              <a:t>4.10 </a:t>
+              <a:t>1.10 </a:t>
             </a:r>
             <a:r>
               <a:rPr kumimoji="1" lang="zh-CN" altLang="en-US" dirty="0" smtClean="0"/>
@@ -16572,7 +16576,7 @@
           <a:p>
             <a:r>
               <a:rPr kumimoji="1" lang="en-US" altLang="zh-CN" dirty="0" smtClean="0"/>
-              <a:t>3.7 </a:t>
+              <a:t>2.7 </a:t>
             </a:r>
             <a:r>
               <a:rPr kumimoji="1" lang="zh-CN" altLang="en-US" dirty="0" smtClean="0"/>
@@ -17519,15 +17523,7 @@
           <a:p>
             <a:r>
               <a:rPr kumimoji="1" lang="en-US" altLang="zh-CN" dirty="0" smtClean="0"/>
-              <a:t>3</a:t>
-            </a:r>
-            <a:r>
-              <a:rPr kumimoji="1" lang="en-US" altLang="zh-CN" dirty="0" smtClean="0"/>
-              <a:t>.1 </a:t>
-            </a:r>
-            <a:r>
-              <a:rPr kumimoji="1" lang="en-US" altLang="zh-CN" dirty="0" smtClean="0"/>
-              <a:t>hello</a:t>
+              <a:t>3.1 hello</a:t>
             </a:r>
             <a:r>
               <a:rPr kumimoji="1" lang="zh-CN" altLang="en-US" dirty="0" smtClean="0"/>
@@ -17878,11 +17874,11 @@
   <p:clrMapOvr>
     <a:masterClrMapping/>
   </p:clrMapOvr>
-  <mc:AlternateContent xmlns:mc="http://schemas.openxmlformats.org/markup-compatibility/2006">
-    <mc:Choice xmlns:p14="http://schemas.microsoft.com/office/powerpoint/2010/main" Requires="p14">
+  <mc:AlternateContent xmlns:mc="http://schemas.openxmlformats.org/markup-compatibility/2006" xmlns:p14="http://schemas.microsoft.com/office/powerpoint/2010/main">
+    <mc:Choice Requires="p14">
       <p:transition spd="slow" p14:dur="2000"/>
     </mc:Choice>
-    <mc:Fallback>
+    <mc:Fallback xmlns="">
       <p:transition spd="slow"/>
     </mc:Fallback>
   </mc:AlternateContent>
@@ -19100,12 +19096,12 @@
           <a:lstStyle/>
           <a:p>
             <a:r>
-              <a:rPr kumimoji="1" lang="en-US" altLang="zh-CN" dirty="0"/>
-              <a:t>2</a:t>
-            </a:r>
-            <a:r>
               <a:rPr kumimoji="1" lang="en-US" altLang="zh-CN" dirty="0" smtClean="0"/>
-              <a:t>.2 React</a:t>
+              <a:t>1.2 </a:t>
+            </a:r>
+            <a:r>
+              <a:rPr kumimoji="1" lang="en-US" altLang="zh-CN" dirty="0" smtClean="0"/>
+              <a:t>React</a:t>
             </a:r>
             <a:r>
               <a:rPr kumimoji="1" lang="zh-CN" altLang="en-US" dirty="0" smtClean="0"/>
@@ -23074,7 +23070,11 @@
           <a:p>
             <a:r>
               <a:rPr kumimoji="1" lang="en-US" altLang="zh-CN" dirty="0" smtClean="0"/>
-              <a:t>4.7 JSX</a:t>
+              <a:t>1.7 </a:t>
+            </a:r>
+            <a:r>
+              <a:rPr kumimoji="1" lang="en-US" altLang="zh-CN" dirty="0" smtClean="0"/>
+              <a:t>JSX</a:t>
             </a:r>
             <a:endParaRPr kumimoji="1" lang="zh-CN" altLang="en-US" dirty="0"/>
           </a:p>
